--- a/EDA_presentation.pptx
+++ b/EDA_presentation.pptx
@@ -5,7 +5,7 @@
     <p:sldMasterId id="2147483966" r:id="rId1"/>
   </p:sldMasterIdLst>
   <p:notesMasterIdLst>
-    <p:notesMasterId r:id="rId12"/>
+    <p:notesMasterId r:id="rId14"/>
   </p:notesMasterIdLst>
   <p:sldIdLst>
     <p:sldId id="256" r:id="rId2"/>
@@ -15,9 +15,11 @@
     <p:sldId id="261" r:id="rId6"/>
     <p:sldId id="262" r:id="rId7"/>
     <p:sldId id="266" r:id="rId8"/>
-    <p:sldId id="267" r:id="rId9"/>
-    <p:sldId id="264" r:id="rId10"/>
-    <p:sldId id="265" r:id="rId11"/>
+    <p:sldId id="270" r:id="rId9"/>
+    <p:sldId id="267" r:id="rId10"/>
+    <p:sldId id="271" r:id="rId11"/>
+    <p:sldId id="264" r:id="rId12"/>
+    <p:sldId id="265" r:id="rId13"/>
   </p:sldIdLst>
   <p:sldSz cx="12192000" cy="6858000"/>
   <p:notesSz cx="6858000" cy="9144000"/>
@@ -116,6 +118,11 @@
       </a:defRPr>
     </a:lvl9pPr>
   </p:defaultTextStyle>
+  <p:extLst>
+    <p:ext uri="{EFAFB233-063F-42B5-8137-9DF3F51BA10A}">
+      <p15:sldGuideLst xmlns:p15="http://schemas.microsoft.com/office/powerpoint/2012/main"/>
+    </p:ext>
+  </p:extLst>
 </p:presentation>
 </file>
 
@@ -201,7 +208,7 @@
           <a:p>
             <a:fld id="{E6F781B1-3FFC-49E6-B820-DE370850EF32}" type="datetimeFigureOut">
               <a:rPr lang="zh-CN" altLang="en-US" smtClean="0"/>
-              <a:t>2023/10/23</a:t>
+              <a:t>2023/10/28</a:t>
             </a:fld>
             <a:endParaRPr lang="zh-CN" altLang="en-US"/>
           </a:p>
@@ -821,7 +828,7 @@
           <a:p>
             <a:fld id="{78E80614-DE11-4DAC-811E-1D5F4C2D69AC}" type="datetimeFigureOut">
               <a:rPr lang="zh-CN" altLang="en-US" smtClean="0"/>
-              <a:t>2023/10/21</a:t>
+              <a:t>2023/10/28</a:t>
             </a:fld>
             <a:endParaRPr lang="zh-CN" altLang="en-US"/>
           </a:p>
@@ -1119,7 +1126,7 @@
           <a:p>
             <a:fld id="{78E80614-DE11-4DAC-811E-1D5F4C2D69AC}" type="datetimeFigureOut">
               <a:rPr lang="zh-CN" altLang="en-US" smtClean="0"/>
-              <a:t>2023/10/21</a:t>
+              <a:t>2023/10/28</a:t>
             </a:fld>
             <a:endParaRPr lang="zh-CN" altLang="en-US"/>
           </a:p>
@@ -1311,7 +1318,7 @@
           <a:p>
             <a:fld id="{78E80614-DE11-4DAC-811E-1D5F4C2D69AC}" type="datetimeFigureOut">
               <a:rPr lang="zh-CN" altLang="en-US" smtClean="0"/>
-              <a:t>2023/10/21</a:t>
+              <a:t>2023/10/28</a:t>
             </a:fld>
             <a:endParaRPr lang="zh-CN" altLang="en-US"/>
           </a:p>
@@ -1572,7 +1579,7 @@
           <a:p>
             <a:fld id="{78E80614-DE11-4DAC-811E-1D5F4C2D69AC}" type="datetimeFigureOut">
               <a:rPr lang="zh-CN" altLang="en-US" smtClean="0"/>
-              <a:t>2023/10/21</a:t>
+              <a:t>2023/10/28</a:t>
             </a:fld>
             <a:endParaRPr lang="zh-CN" altLang="en-US"/>
           </a:p>
@@ -1996,7 +2003,7 @@
           <a:p>
             <a:fld id="{78E80614-DE11-4DAC-811E-1D5F4C2D69AC}" type="datetimeFigureOut">
               <a:rPr lang="zh-CN" altLang="en-US" smtClean="0"/>
-              <a:t>2023/10/21</a:t>
+              <a:t>2023/10/28</a:t>
             </a:fld>
             <a:endParaRPr lang="zh-CN" altLang="en-US"/>
           </a:p>
@@ -2533,7 +2540,7 @@
           <a:p>
             <a:fld id="{78E80614-DE11-4DAC-811E-1D5F4C2D69AC}" type="datetimeFigureOut">
               <a:rPr lang="zh-CN" altLang="en-US" smtClean="0"/>
-              <a:t>2023/10/21</a:t>
+              <a:t>2023/10/28</a:t>
             </a:fld>
             <a:endParaRPr lang="zh-CN" altLang="en-US"/>
           </a:p>
@@ -3397,7 +3404,7 @@
           <a:p>
             <a:fld id="{78E80614-DE11-4DAC-811E-1D5F4C2D69AC}" type="datetimeFigureOut">
               <a:rPr lang="zh-CN" altLang="en-US" smtClean="0"/>
-              <a:t>2023/10/21</a:t>
+              <a:t>2023/10/28</a:t>
             </a:fld>
             <a:endParaRPr lang="zh-CN" altLang="en-US"/>
           </a:p>
@@ -3567,7 +3574,7 @@
           <a:p>
             <a:fld id="{78E80614-DE11-4DAC-811E-1D5F4C2D69AC}" type="datetimeFigureOut">
               <a:rPr lang="zh-CN" altLang="en-US" smtClean="0"/>
-              <a:t>2023/10/21</a:t>
+              <a:t>2023/10/28</a:t>
             </a:fld>
             <a:endParaRPr lang="zh-CN" altLang="en-US"/>
           </a:p>
@@ -3751,7 +3758,7 @@
           <a:p>
             <a:fld id="{78E80614-DE11-4DAC-811E-1D5F4C2D69AC}" type="datetimeFigureOut">
               <a:rPr lang="zh-CN" altLang="en-US" smtClean="0"/>
-              <a:t>2023/10/21</a:t>
+              <a:t>2023/10/28</a:t>
             </a:fld>
             <a:endParaRPr lang="zh-CN" altLang="en-US"/>
           </a:p>
@@ -3921,7 +3928,7 @@
           <a:p>
             <a:fld id="{78E80614-DE11-4DAC-811E-1D5F4C2D69AC}" type="datetimeFigureOut">
               <a:rPr lang="zh-CN" altLang="en-US" smtClean="0"/>
-              <a:t>2023/10/21</a:t>
+              <a:t>2023/10/28</a:t>
             </a:fld>
             <a:endParaRPr lang="zh-CN" altLang="en-US"/>
           </a:p>
@@ -4165,7 +4172,7 @@
           <a:p>
             <a:fld id="{78E80614-DE11-4DAC-811E-1D5F4C2D69AC}" type="datetimeFigureOut">
               <a:rPr lang="zh-CN" altLang="en-US" smtClean="0"/>
-              <a:t>2023/10/21</a:t>
+              <a:t>2023/10/28</a:t>
             </a:fld>
             <a:endParaRPr lang="zh-CN" altLang="en-US"/>
           </a:p>
@@ -4401,7 +4408,7 @@
           <a:p>
             <a:fld id="{78E80614-DE11-4DAC-811E-1D5F4C2D69AC}" type="datetimeFigureOut">
               <a:rPr lang="zh-CN" altLang="en-US" smtClean="0"/>
-              <a:t>2023/10/21</a:t>
+              <a:t>2023/10/28</a:t>
             </a:fld>
             <a:endParaRPr lang="zh-CN" altLang="en-US"/>
           </a:p>
@@ -4867,7 +4874,7 @@
           <a:p>
             <a:fld id="{78E80614-DE11-4DAC-811E-1D5F4C2D69AC}" type="datetimeFigureOut">
               <a:rPr lang="zh-CN" altLang="en-US" smtClean="0"/>
-              <a:t>2023/10/21</a:t>
+              <a:t>2023/10/28</a:t>
             </a:fld>
             <a:endParaRPr lang="zh-CN" altLang="en-US"/>
           </a:p>
@@ -4985,7 +4992,7 @@
           <a:p>
             <a:fld id="{78E80614-DE11-4DAC-811E-1D5F4C2D69AC}" type="datetimeFigureOut">
               <a:rPr lang="zh-CN" altLang="en-US" smtClean="0"/>
-              <a:t>2023/10/21</a:t>
+              <a:t>2023/10/28</a:t>
             </a:fld>
             <a:endParaRPr lang="zh-CN" altLang="en-US"/>
           </a:p>
@@ -5080,7 +5087,7 @@
           <a:p>
             <a:fld id="{78E80614-DE11-4DAC-811E-1D5F4C2D69AC}" type="datetimeFigureOut">
               <a:rPr lang="zh-CN" altLang="en-US" smtClean="0"/>
-              <a:t>2023/10/21</a:t>
+              <a:t>2023/10/28</a:t>
             </a:fld>
             <a:endParaRPr lang="zh-CN" altLang="en-US"/>
           </a:p>
@@ -5335,7 +5342,7 @@
           <a:p>
             <a:fld id="{78E80614-DE11-4DAC-811E-1D5F4C2D69AC}" type="datetimeFigureOut">
               <a:rPr lang="zh-CN" altLang="en-US" smtClean="0"/>
-              <a:t>2023/10/21</a:t>
+              <a:t>2023/10/28</a:t>
             </a:fld>
             <a:endParaRPr lang="zh-CN" altLang="en-US"/>
           </a:p>
@@ -5635,7 +5642,7 @@
           <a:p>
             <a:fld id="{78E80614-DE11-4DAC-811E-1D5F4C2D69AC}" type="datetimeFigureOut">
               <a:rPr lang="zh-CN" altLang="en-US" smtClean="0"/>
-              <a:t>2023/10/21</a:t>
+              <a:t>2023/10/28</a:t>
             </a:fld>
             <a:endParaRPr lang="zh-CN" altLang="en-US"/>
           </a:p>
@@ -5869,7 +5876,7 @@
           <a:p>
             <a:fld id="{78E80614-DE11-4DAC-811E-1D5F4C2D69AC}" type="datetimeFigureOut">
               <a:rPr lang="zh-CN" altLang="en-US" smtClean="0"/>
-              <a:t>2023/10/21</a:t>
+              <a:t>2023/10/28</a:t>
             </a:fld>
             <a:endParaRPr lang="zh-CN" altLang="en-US"/>
           </a:p>
@@ -6648,6 +6655,370 @@
       </p:grpSpPr>
       <p:sp>
         <p:nvSpPr>
+          <p:cNvPr id="4" name="标题 1">
+            <a:extLst>
+              <a:ext uri="{FF2B5EF4-FFF2-40B4-BE49-F238E27FC236}">
+                <a16:creationId xmlns:a16="http://schemas.microsoft.com/office/drawing/2014/main" id="{7BD41E96-37C7-A1FE-2F0F-B3D791F4CA11}"/>
+              </a:ext>
+            </a:extLst>
+          </p:cNvPr>
+          <p:cNvSpPr>
+            <a:spLocks noGrp="1"/>
+          </p:cNvSpPr>
+          <p:nvPr>
+            <p:ph type="title"/>
+          </p:nvPr>
+        </p:nvSpPr>
+        <p:spPr>
+          <a:xfrm>
+            <a:off x="696000" y="180000"/>
+            <a:ext cx="10800000" cy="900000"/>
+          </a:xfrm>
+        </p:spPr>
+        <p:txBody>
+          <a:bodyPr/>
+          <a:lstStyle/>
+          <a:p>
+            <a:r>
+              <a:rPr lang="en-US" altLang="zh-CN" b="1" dirty="0"/>
+              <a:t>Comparative Analysis: Region (1950 ~ 2019)</a:t>
+            </a:r>
+            <a:endParaRPr lang="zh-CN" altLang="en-US" b="1" dirty="0"/>
+          </a:p>
+        </p:txBody>
+      </p:sp>
+      <p:sp>
+        <p:nvSpPr>
+          <p:cNvPr id="8" name="文本框 7">
+            <a:extLst>
+              <a:ext uri="{FF2B5EF4-FFF2-40B4-BE49-F238E27FC236}">
+                <a16:creationId xmlns:a16="http://schemas.microsoft.com/office/drawing/2014/main" id="{D20738CE-9FBA-7E10-FBCC-0550BB63676C}"/>
+              </a:ext>
+            </a:extLst>
+          </p:cNvPr>
+          <p:cNvSpPr txBox="1"/>
+          <p:nvPr/>
+        </p:nvSpPr>
+        <p:spPr>
+          <a:xfrm>
+            <a:off x="551999" y="5220000"/>
+            <a:ext cx="11087999" cy="1099596"/>
+          </a:xfrm>
+          <a:prstGeom prst="rect">
+            <a:avLst/>
+          </a:prstGeom>
+          <a:noFill/>
+        </p:spPr>
+        <p:txBody>
+          <a:bodyPr wrap="square" rtlCol="0">
+            <a:spAutoFit/>
+          </a:bodyPr>
+          <a:lstStyle/>
+          <a:p>
+            <a:pPr algn="just">
+              <a:lnSpc>
+                <a:spcPct val="125000"/>
+              </a:lnSpc>
+            </a:pPr>
+            <a:r>
+              <a:rPr lang="en-US" altLang="zh-CN" dirty="0"/>
+              <a:t>The boxplot illustrates working hours and GDP per capita differences between Asian and Western countries in 2019. Western workers average 1700 hours or less annually and enjoy higher GDP per capita, while Asian workers often exceed 2000 hours without a corresponding GDP per capita surge.</a:t>
+            </a:r>
+            <a:endParaRPr lang="zh-CN" altLang="en-US" dirty="0"/>
+          </a:p>
+        </p:txBody>
+      </p:sp>
+      <p:pic>
+        <p:nvPicPr>
+          <p:cNvPr id="7" name="图片 6">
+            <a:extLst>
+              <a:ext uri="{FF2B5EF4-FFF2-40B4-BE49-F238E27FC236}">
+                <a16:creationId xmlns:a16="http://schemas.microsoft.com/office/drawing/2014/main" id="{A5D567E4-A3B6-502D-236A-A2B91A1BFE3E}"/>
+              </a:ext>
+            </a:extLst>
+          </p:cNvPr>
+          <p:cNvPicPr>
+            <a:picLocks/>
+          </p:cNvPicPr>
+          <p:nvPr/>
+        </p:nvPicPr>
+        <p:blipFill>
+          <a:blip r:embed="rId2">
+            <a:extLst>
+              <a:ext uri="{28A0092B-C50C-407E-A947-70E740481C1C}">
+                <a14:useLocalDpi xmlns:a14="http://schemas.microsoft.com/office/drawing/2010/main" val="0"/>
+              </a:ext>
+            </a:extLst>
+          </a:blip>
+          <a:stretch>
+            <a:fillRect/>
+          </a:stretch>
+        </p:blipFill>
+        <p:spPr>
+          <a:xfrm>
+            <a:off x="1595998" y="1014686"/>
+            <a:ext cx="9000000" cy="4140000"/>
+          </a:xfrm>
+          <a:prstGeom prst="rect">
+            <a:avLst/>
+          </a:prstGeom>
+        </p:spPr>
+      </p:pic>
+    </p:spTree>
+    <p:extLst>
+      <p:ext uri="{BB962C8B-B14F-4D97-AF65-F5344CB8AC3E}">
+        <p14:creationId xmlns:p14="http://schemas.microsoft.com/office/powerpoint/2010/main" val="4275158929"/>
+      </p:ext>
+    </p:extLst>
+  </p:cSld>
+  <p:clrMapOvr>
+    <a:masterClrMapping/>
+  </p:clrMapOvr>
+</p:sld>
+</file>
+
+<file path=ppt/slides/slide11.xml><?xml version="1.0" encoding="utf-8"?>
+<p:sld xmlns:a="http://schemas.openxmlformats.org/drawingml/2006/main" xmlns:r="http://schemas.openxmlformats.org/officeDocument/2006/relationships" xmlns:p="http://schemas.openxmlformats.org/presentationml/2006/main">
+  <p:cSld>
+    <p:spTree>
+      <p:nvGrpSpPr>
+        <p:cNvPr id="1" name=""/>
+        <p:cNvGrpSpPr/>
+        <p:nvPr/>
+      </p:nvGrpSpPr>
+      <p:grpSpPr>
+        <a:xfrm>
+          <a:off x="0" y="0"/>
+          <a:ext cx="0" cy="0"/>
+          <a:chOff x="0" y="0"/>
+          <a:chExt cx="0" cy="0"/>
+        </a:xfrm>
+      </p:grpSpPr>
+      <p:sp>
+        <p:nvSpPr>
+          <p:cNvPr id="2" name="标题 1">
+            <a:extLst>
+              <a:ext uri="{FF2B5EF4-FFF2-40B4-BE49-F238E27FC236}">
+                <a16:creationId xmlns:a16="http://schemas.microsoft.com/office/drawing/2014/main" id="{2D928185-7BA3-DCB5-F87A-BA7348E030C6}"/>
+              </a:ext>
+            </a:extLst>
+          </p:cNvPr>
+          <p:cNvSpPr>
+            <a:spLocks noGrp="1"/>
+          </p:cNvSpPr>
+          <p:nvPr>
+            <p:ph type="title"/>
+          </p:nvPr>
+        </p:nvSpPr>
+        <p:spPr>
+          <a:xfrm>
+            <a:off x="913795" y="180000"/>
+            <a:ext cx="10800000" cy="900000"/>
+          </a:xfrm>
+        </p:spPr>
+        <p:txBody>
+          <a:bodyPr>
+            <a:normAutofit/>
+          </a:bodyPr>
+          <a:lstStyle/>
+          <a:p>
+            <a:r>
+              <a:rPr lang="en-US" altLang="zh-CN" b="1" dirty="0"/>
+              <a:t>Key Insights</a:t>
+            </a:r>
+            <a:endParaRPr lang="zh-CN" altLang="en-US" b="1" dirty="0"/>
+          </a:p>
+        </p:txBody>
+      </p:sp>
+      <p:sp>
+        <p:nvSpPr>
+          <p:cNvPr id="3" name="内容占位符 2">
+            <a:extLst>
+              <a:ext uri="{FF2B5EF4-FFF2-40B4-BE49-F238E27FC236}">
+                <a16:creationId xmlns:a16="http://schemas.microsoft.com/office/drawing/2014/main" id="{E8AB1FF5-F089-2E95-16C3-365B63DA3AB5}"/>
+              </a:ext>
+            </a:extLst>
+          </p:cNvPr>
+          <p:cNvSpPr>
+            <a:spLocks noGrp="1"/>
+          </p:cNvSpPr>
+          <p:nvPr>
+            <p:ph idx="1"/>
+          </p:nvPr>
+        </p:nvSpPr>
+        <p:spPr>
+          <a:xfrm>
+            <a:off x="913795" y="1080000"/>
+            <a:ext cx="10353762" cy="5512186"/>
+          </a:xfrm>
+        </p:spPr>
+        <p:txBody>
+          <a:bodyPr>
+            <a:normAutofit fontScale="85000" lnSpcReduction="20000"/>
+          </a:bodyPr>
+          <a:lstStyle/>
+          <a:p>
+            <a:pPr>
+              <a:lnSpc>
+                <a:spcPct val="135000"/>
+              </a:lnSpc>
+              <a:buFont typeface="Wingdings" panose="05000000000000000000" pitchFamily="2" charset="2"/>
+              <a:buChar char="l"/>
+            </a:pPr>
+            <a:r>
+              <a:rPr lang="en-US" altLang="zh-CN" sz="2400" b="1" dirty="0">
+                <a:latin typeface="Times New Roman" panose="02020603050405020304" pitchFamily="18" charset="0"/>
+                <a:cs typeface="Times New Roman" panose="02020603050405020304" pitchFamily="18" charset="0"/>
+              </a:rPr>
+              <a:t>Declining Working Hours:</a:t>
+            </a:r>
+          </a:p>
+          <a:p>
+            <a:pPr marL="36900" indent="0">
+              <a:lnSpc>
+                <a:spcPct val="135000"/>
+              </a:lnSpc>
+              <a:buNone/>
+            </a:pPr>
+            <a:r>
+              <a:rPr lang="en-US" altLang="zh-CN" sz="2400" dirty="0">
+                <a:latin typeface="Times New Roman" panose="02020603050405020304" pitchFamily="18" charset="0"/>
+                <a:cs typeface="Times New Roman" panose="02020603050405020304" pitchFamily="18" charset="0"/>
+              </a:rPr>
+              <a:t>	Most countries show reduced working hours over the years, indicating the improved life 	quality and work efficiency.</a:t>
+            </a:r>
+          </a:p>
+          <a:p>
+            <a:pPr>
+              <a:lnSpc>
+                <a:spcPct val="135000"/>
+              </a:lnSpc>
+              <a:buFont typeface="Wingdings" panose="05000000000000000000" pitchFamily="2" charset="2"/>
+              <a:buChar char="l"/>
+            </a:pPr>
+            <a:r>
+              <a:rPr lang="en-US" altLang="zh-CN" sz="2400" b="1" dirty="0">
+                <a:latin typeface="Times New Roman" panose="02020603050405020304" pitchFamily="18" charset="0"/>
+                <a:cs typeface="Times New Roman" panose="02020603050405020304" pitchFamily="18" charset="0"/>
+              </a:rPr>
+              <a:t>Working Hours vs GDP per capita:</a:t>
+            </a:r>
+          </a:p>
+          <a:p>
+            <a:pPr marL="36900" indent="0">
+              <a:lnSpc>
+                <a:spcPct val="135000"/>
+              </a:lnSpc>
+              <a:buNone/>
+            </a:pPr>
+            <a:r>
+              <a:rPr lang="en-US" altLang="zh-CN" sz="2400" dirty="0">
+                <a:latin typeface="Times New Roman" panose="02020603050405020304" pitchFamily="18" charset="0"/>
+                <a:cs typeface="Times New Roman" panose="02020603050405020304" pitchFamily="18" charset="0"/>
+              </a:rPr>
+              <a:t>	Most countries show a negative correlation between working hours and GDP per capita, with a 	few exceptions.</a:t>
+            </a:r>
+          </a:p>
+          <a:p>
+            <a:pPr>
+              <a:lnSpc>
+                <a:spcPct val="135000"/>
+              </a:lnSpc>
+              <a:buFont typeface="Wingdings" panose="05000000000000000000" pitchFamily="2" charset="2"/>
+              <a:buChar char="l"/>
+            </a:pPr>
+            <a:r>
+              <a:rPr lang="en-US" altLang="zh-CN" sz="2400" b="1" dirty="0">
+                <a:latin typeface="Times New Roman" panose="02020603050405020304" pitchFamily="18" charset="0"/>
+                <a:cs typeface="Times New Roman" panose="02020603050405020304" pitchFamily="18" charset="0"/>
+              </a:rPr>
+              <a:t>Developing vs. Developed Countries:</a:t>
+            </a:r>
+          </a:p>
+          <a:p>
+            <a:pPr marL="36900" indent="0">
+              <a:lnSpc>
+                <a:spcPct val="135000"/>
+              </a:lnSpc>
+              <a:buNone/>
+            </a:pPr>
+            <a:r>
+              <a:rPr lang="en-US" altLang="zh-CN" sz="2400" dirty="0">
+                <a:latin typeface="Times New Roman" panose="02020603050405020304" pitchFamily="18" charset="0"/>
+                <a:cs typeface="Times New Roman" panose="02020603050405020304" pitchFamily="18" charset="0"/>
+              </a:rPr>
+              <a:t>	Developing countries average 2000 or more working hours annually, while developed 	countries are typically under 1800, highlighting economic and structural contrasts.</a:t>
+            </a:r>
+          </a:p>
+          <a:p>
+            <a:pPr>
+              <a:lnSpc>
+                <a:spcPct val="135000"/>
+              </a:lnSpc>
+              <a:buFont typeface="Wingdings" panose="05000000000000000000" pitchFamily="2" charset="2"/>
+              <a:buChar char="l"/>
+            </a:pPr>
+            <a:r>
+              <a:rPr lang="en-US" altLang="zh-CN" sz="2400" b="1" dirty="0">
+                <a:latin typeface="Times New Roman" panose="02020603050405020304" pitchFamily="18" charset="0"/>
+                <a:cs typeface="Times New Roman" panose="02020603050405020304" pitchFamily="18" charset="0"/>
+              </a:rPr>
+              <a:t>Regional Working Hour Differences:</a:t>
+            </a:r>
+          </a:p>
+          <a:p>
+            <a:pPr marL="414000" lvl="1" indent="0">
+              <a:lnSpc>
+                <a:spcPct val="135000"/>
+              </a:lnSpc>
+              <a:buNone/>
+            </a:pPr>
+            <a:r>
+              <a:rPr lang="en-US" altLang="zh-CN" sz="2400" dirty="0">
+                <a:latin typeface="Times New Roman" panose="02020603050405020304" pitchFamily="18" charset="0"/>
+                <a:cs typeface="Times New Roman" panose="02020603050405020304" pitchFamily="18" charset="0"/>
+              </a:rPr>
+              <a:t>Asian countries consistently report longer working hours compared to Western countries, suggesting cultural influences on work ethics.</a:t>
+            </a:r>
+            <a:endParaRPr lang="zh-CN" altLang="en-US" sz="2400" dirty="0">
+              <a:latin typeface="Times New Roman" panose="02020603050405020304" pitchFamily="18" charset="0"/>
+              <a:cs typeface="Times New Roman" panose="02020603050405020304" pitchFamily="18" charset="0"/>
+            </a:endParaRPr>
+          </a:p>
+        </p:txBody>
+      </p:sp>
+    </p:spTree>
+    <p:extLst>
+      <p:ext uri="{BB962C8B-B14F-4D97-AF65-F5344CB8AC3E}">
+        <p14:creationId xmlns:p14="http://schemas.microsoft.com/office/powerpoint/2010/main" val="2235888458"/>
+      </p:ext>
+    </p:extLst>
+  </p:cSld>
+  <p:clrMapOvr>
+    <a:masterClrMapping/>
+  </p:clrMapOvr>
+</p:sld>
+</file>
+
+<file path=ppt/slides/slide12.xml><?xml version="1.0" encoding="utf-8"?>
+<p:sld xmlns:a="http://schemas.openxmlformats.org/drawingml/2006/main" xmlns:r="http://schemas.openxmlformats.org/officeDocument/2006/relationships" xmlns:p="http://schemas.openxmlformats.org/presentationml/2006/main">
+  <p:cSld>
+    <p:spTree>
+      <p:nvGrpSpPr>
+        <p:cNvPr id="1" name=""/>
+        <p:cNvGrpSpPr/>
+        <p:nvPr/>
+      </p:nvGrpSpPr>
+      <p:grpSpPr>
+        <a:xfrm>
+          <a:off x="0" y="0"/>
+          <a:ext cx="0" cy="0"/>
+          <a:chOff x="0" y="0"/>
+          <a:chExt cx="0" cy="0"/>
+        </a:xfrm>
+      </p:grpSpPr>
+      <p:sp>
+        <p:nvSpPr>
           <p:cNvPr id="2" name="标题 1">
             <a:extLst>
               <a:ext uri="{FF2B5EF4-FFF2-40B4-BE49-F238E27FC236}">
@@ -6822,7 +7193,7 @@
                 <a:latin typeface="Times New Roman" panose="02020603050405020304" pitchFamily="18" charset="0"/>
                 <a:cs typeface="Times New Roman" panose="02020603050405020304" pitchFamily="18" charset="0"/>
               </a:rPr>
-              <a:t>	This study explores the link between </a:t>
+              <a:t>	This study analyzes the link between </a:t>
             </a:r>
             <a:r>
               <a:rPr lang="en-US" altLang="zh-CN" sz="2800" b="1" dirty="0">
@@ -6850,7 +7221,7 @@
                 <a:latin typeface="Times New Roman" panose="02020603050405020304" pitchFamily="18" charset="0"/>
                 <a:cs typeface="Times New Roman" panose="02020603050405020304" pitchFamily="18" charset="0"/>
               </a:rPr>
-              <a:t>, trying to find common trends and differences across various places. The main goal is to find out if working longer hours is connected with higher GDP per capita, and how these patterns change around the world. </a:t>
+              <a:t>, trying to find common trends and differences across various countries. The main goal is to find out if working longer hours is connected with higher GDP per capita, and how these patterns change around the world. </a:t>
             </a:r>
           </a:p>
         </p:txBody>
@@ -6945,13 +7316,13 @@
         </p:nvSpPr>
         <p:spPr>
           <a:xfrm>
-            <a:off x="649995" y="1220555"/>
+            <a:off x="649994" y="1150450"/>
             <a:ext cx="10881359" cy="5225965"/>
           </a:xfrm>
         </p:spPr>
         <p:txBody>
           <a:bodyPr>
-            <a:normAutofit fontScale="25000" lnSpcReduction="20000"/>
+            <a:normAutofit/>
           </a:bodyPr>
           <a:lstStyle/>
           <a:p>
@@ -6962,92 +7333,84 @@
               <a:buNone/>
             </a:pPr>
             <a:r>
-              <a:rPr lang="en-US" altLang="zh-CN" sz="10400" dirty="0">
+              <a:rPr lang="en-US" altLang="zh-CN" sz="1800" dirty="0">
                 <a:latin typeface="Times New Roman" panose="02020603050405020304" pitchFamily="18" charset="0"/>
                 <a:cs typeface="Times New Roman" panose="02020603050405020304" pitchFamily="18" charset="0"/>
               </a:rPr>
-              <a:t>	Data is sourced from the </a:t>
-            </a:r>
-            <a:r>
-              <a:rPr lang="en-US" altLang="zh-CN" sz="10400" b="1" dirty="0">
+              <a:t>	</a:t>
+            </a:r>
+            <a:r>
+              <a:rPr lang="en-US" altLang="zh-CN" dirty="0">
+                <a:latin typeface="Times New Roman" panose="02020603050405020304" pitchFamily="18" charset="0"/>
+                <a:cs typeface="Times New Roman" panose="02020603050405020304" pitchFamily="18" charset="0"/>
+              </a:rPr>
+              <a:t>Data is sourced from the </a:t>
+            </a:r>
+            <a:r>
+              <a:rPr lang="en-US" altLang="zh-CN" b="1" dirty="0">
                 <a:latin typeface="Times New Roman" panose="02020603050405020304" pitchFamily="18" charset="0"/>
                 <a:cs typeface="Times New Roman" panose="02020603050405020304" pitchFamily="18" charset="0"/>
               </a:rPr>
               <a:t>World Bank </a:t>
             </a:r>
             <a:r>
-              <a:rPr lang="en-US" altLang="zh-CN" sz="10400" dirty="0">
+              <a:rPr lang="en-US" altLang="zh-CN" dirty="0">
                 <a:latin typeface="Times New Roman" panose="02020603050405020304" pitchFamily="18" charset="0"/>
                 <a:cs typeface="Times New Roman" panose="02020603050405020304" pitchFamily="18" charset="0"/>
               </a:rPr>
               <a:t>and the </a:t>
             </a:r>
             <a:r>
-              <a:rPr lang="en-US" altLang="zh-CN" sz="10400" b="1" dirty="0">
+              <a:rPr lang="en-US" altLang="zh-CN" b="1" dirty="0">
                 <a:latin typeface="Times New Roman" panose="02020603050405020304" pitchFamily="18" charset="0"/>
                 <a:cs typeface="Times New Roman" panose="02020603050405020304" pitchFamily="18" charset="0"/>
               </a:rPr>
               <a:t>Penn World Table</a:t>
             </a:r>
             <a:r>
-              <a:rPr lang="en-US" altLang="zh-CN" sz="10400" dirty="0">
+              <a:rPr lang="en-US" altLang="zh-CN" dirty="0">
                 <a:latin typeface="Times New Roman" panose="02020603050405020304" pitchFamily="18" charset="0"/>
                 <a:cs typeface="Times New Roman" panose="02020603050405020304" pitchFamily="18" charset="0"/>
               </a:rPr>
-              <a:t>, renowned for their comprehensive economic databases. These sources provide a wealth of reliable, standardized economic data, allowing for accurate cross-country comparisons and analysis.</a:t>
-            </a:r>
-          </a:p>
-          <a:p>
-            <a:pPr marL="36900" indent="0" algn="just">
-              <a:lnSpc>
-                <a:spcPct val="150000"/>
-              </a:lnSpc>
-              <a:buNone/>
-            </a:pPr>
-            <a:r>
-              <a:rPr lang="en-US" altLang="zh-CN" sz="10400" dirty="0">
-                <a:latin typeface="Times New Roman" panose="02020603050405020304" pitchFamily="18" charset="0"/>
-                <a:cs typeface="Times New Roman" panose="02020603050405020304" pitchFamily="18" charset="0"/>
-              </a:rPr>
-              <a:t>	The datasets include variables such as </a:t>
-            </a:r>
-            <a:r>
-              <a:rPr lang="en-US" altLang="zh-CN" sz="10400" b="1" dirty="0">
+              <a:t>, renowned for their comprehensive economic databases. The datasets include variables such as </a:t>
+            </a:r>
+            <a:r>
+              <a:rPr lang="en-US" altLang="zh-CN" b="1" dirty="0">
                 <a:latin typeface="Times New Roman" panose="02020603050405020304" pitchFamily="18" charset="0"/>
                 <a:cs typeface="Times New Roman" panose="02020603050405020304" pitchFamily="18" charset="0"/>
               </a:rPr>
               <a:t>GDP growth</a:t>
             </a:r>
             <a:r>
-              <a:rPr lang="en-US" altLang="zh-CN" sz="10400" dirty="0">
+              <a:rPr lang="en-US" altLang="zh-CN" dirty="0">
                 <a:latin typeface="Times New Roman" panose="02020603050405020304" pitchFamily="18" charset="0"/>
                 <a:cs typeface="Times New Roman" panose="02020603050405020304" pitchFamily="18" charset="0"/>
               </a:rPr>
               <a:t>, </a:t>
             </a:r>
             <a:r>
-              <a:rPr lang="en-US" altLang="zh-CN" sz="10400" b="1" dirty="0">
+              <a:rPr lang="en-US" altLang="zh-CN" b="1" dirty="0">
                 <a:latin typeface="Times New Roman" panose="02020603050405020304" pitchFamily="18" charset="0"/>
                 <a:cs typeface="Times New Roman" panose="02020603050405020304" pitchFamily="18" charset="0"/>
               </a:rPr>
               <a:t>GDP per capita</a:t>
             </a:r>
             <a:r>
-              <a:rPr lang="en-US" altLang="zh-CN" sz="10400" dirty="0">
+              <a:rPr lang="en-US" altLang="zh-CN" dirty="0">
                 <a:latin typeface="Times New Roman" panose="02020603050405020304" pitchFamily="18" charset="0"/>
                 <a:cs typeface="Times New Roman" panose="02020603050405020304" pitchFamily="18" charset="0"/>
               </a:rPr>
               <a:t>, </a:t>
             </a:r>
             <a:r>
-              <a:rPr lang="en-US" altLang="zh-CN" sz="10400" b="1" dirty="0">
+              <a:rPr lang="en-US" altLang="zh-CN" b="1" dirty="0">
                 <a:latin typeface="Times New Roman" panose="02020603050405020304" pitchFamily="18" charset="0"/>
                 <a:cs typeface="Times New Roman" panose="02020603050405020304" pitchFamily="18" charset="0"/>
               </a:rPr>
               <a:t>and annual working hours</a:t>
             </a:r>
             <a:r>
-              <a:rPr lang="en-US" altLang="zh-CN" sz="10400" dirty="0">
+              <a:rPr lang="en-US" altLang="zh-CN" dirty="0">
                 <a:latin typeface="Times New Roman" panose="02020603050405020304" pitchFamily="18" charset="0"/>
                 <a:cs typeface="Times New Roman" panose="02020603050405020304" pitchFamily="18" charset="0"/>
               </a:rPr>
@@ -7056,10 +7419,40 @@
             <a:endParaRPr lang="en-US" altLang="zh-CN" dirty="0"/>
           </a:p>
           <a:p>
-            <a:endParaRPr lang="zh-CN" altLang="en-US" dirty="0"/>
-          </a:p>
-        </p:txBody>
-      </p:sp>
+            <a:endParaRPr lang="zh-CN" altLang="en-US" sz="1800" dirty="0"/>
+          </a:p>
+        </p:txBody>
+      </p:sp>
+      <p:pic>
+        <p:nvPicPr>
+          <p:cNvPr id="4" name="图片 3">
+            <a:extLst>
+              <a:ext uri="{FF2B5EF4-FFF2-40B4-BE49-F238E27FC236}">
+                <a16:creationId xmlns:a16="http://schemas.microsoft.com/office/drawing/2014/main" id="{209484F5-6FA9-69B2-F55F-F509614212F5}"/>
+              </a:ext>
+            </a:extLst>
+          </p:cNvPr>
+          <p:cNvPicPr>
+            <a:picLocks noChangeAspect="1"/>
+          </p:cNvPicPr>
+          <p:nvPr/>
+        </p:nvPicPr>
+        <p:blipFill>
+          <a:blip r:embed="rId2"/>
+          <a:stretch>
+            <a:fillRect/>
+          </a:stretch>
+        </p:blipFill>
+        <p:spPr>
+          <a:xfrm>
+            <a:off x="1547249" y="2786810"/>
+            <a:ext cx="9086850" cy="3571875"/>
+          </a:xfrm>
+          <a:prstGeom prst="rect">
+            <a:avLst/>
+          </a:prstGeom>
+        </p:spPr>
+      </p:pic>
     </p:spTree>
     <p:extLst>
       <p:ext uri="{BB962C8B-B14F-4D97-AF65-F5344CB8AC3E}">
@@ -7162,49 +7555,7 @@
                 <a:latin typeface="Times New Roman" panose="02020603050405020304" pitchFamily="18" charset="0"/>
                 <a:cs typeface="Times New Roman" panose="02020603050405020304" pitchFamily="18" charset="0"/>
               </a:rPr>
-              <a:t>This chart presents the annual GDP per capita for various countries (the top 10 countries by GDP in 2021). While most featured countries show a GDP per capita above $30,000, demonstrating a positive trend, </a:t>
-            </a:r>
-            <a:r>
-              <a:rPr lang="en-US" altLang="zh-CN" b="1" dirty="0">
-                <a:latin typeface="Times New Roman" panose="02020603050405020304" pitchFamily="18" charset="0"/>
-                <a:cs typeface="Times New Roman" panose="02020603050405020304" pitchFamily="18" charset="0"/>
-              </a:rPr>
-              <a:t>China</a:t>
-            </a:r>
-            <a:r>
-              <a:rPr lang="en-US" altLang="zh-CN" dirty="0">
-                <a:latin typeface="Times New Roman" panose="02020603050405020304" pitchFamily="18" charset="0"/>
-                <a:cs typeface="Times New Roman" panose="02020603050405020304" pitchFamily="18" charset="0"/>
-              </a:rPr>
-              <a:t>, </a:t>
-            </a:r>
-            <a:r>
-              <a:rPr lang="en-US" altLang="zh-CN" b="1" dirty="0">
-                <a:latin typeface="Times New Roman" panose="02020603050405020304" pitchFamily="18" charset="0"/>
-                <a:cs typeface="Times New Roman" panose="02020603050405020304" pitchFamily="18" charset="0"/>
-              </a:rPr>
-              <a:t>Brazil</a:t>
-            </a:r>
-            <a:r>
-              <a:rPr lang="en-US" altLang="zh-CN" dirty="0">
-                <a:latin typeface="Times New Roman" panose="02020603050405020304" pitchFamily="18" charset="0"/>
-                <a:cs typeface="Times New Roman" panose="02020603050405020304" pitchFamily="18" charset="0"/>
-              </a:rPr>
-              <a:t>, and </a:t>
-            </a:r>
-            <a:r>
-              <a:rPr lang="en-US" altLang="zh-CN" b="1" dirty="0">
-                <a:latin typeface="Times New Roman" panose="02020603050405020304" pitchFamily="18" charset="0"/>
-                <a:cs typeface="Times New Roman" panose="02020603050405020304" pitchFamily="18" charset="0"/>
-              </a:rPr>
-              <a:t>India</a:t>
-            </a:r>
-            <a:r>
-              <a:rPr lang="en-US" altLang="zh-CN" dirty="0">
-                <a:latin typeface="Times New Roman" panose="02020603050405020304" pitchFamily="18" charset="0"/>
-                <a:cs typeface="Times New Roman" panose="02020603050405020304" pitchFamily="18" charset="0"/>
-              </a:rPr>
-              <a:t> are showing a comparatively slower growth, with figures hovering around or below $10,000.</a:t>
+              <a:t>This chart presents the annual GDP per capita for various countries (the top 10 countries by GDP in 2021). While most featured countries show a GDP per capita above $30,000, demonstrating a positive trend, China, Brazil, and India are showing a comparatively slower growth, with figures hovering around or below $10,000.</a:t>
             </a:r>
             <a:endParaRPr lang="zh-CN" altLang="en-US" dirty="0">
               <a:latin typeface="Times New Roman" panose="02020603050405020304" pitchFamily="18" charset="0"/>
@@ -7750,12 +8101,53 @@
           </a:p>
         </p:txBody>
       </p:sp>
+      <p:sp>
+        <p:nvSpPr>
+          <p:cNvPr id="8" name="文本框 7">
+            <a:extLst>
+              <a:ext uri="{FF2B5EF4-FFF2-40B4-BE49-F238E27FC236}">
+                <a16:creationId xmlns:a16="http://schemas.microsoft.com/office/drawing/2014/main" id="{D20738CE-9FBA-7E10-FBCC-0550BB63676C}"/>
+              </a:ext>
+            </a:extLst>
+          </p:cNvPr>
+          <p:cNvSpPr txBox="1"/>
+          <p:nvPr/>
+        </p:nvSpPr>
+        <p:spPr>
+          <a:xfrm>
+            <a:off x="551999" y="5328000"/>
+            <a:ext cx="11087999" cy="753348"/>
+          </a:xfrm>
+          <a:prstGeom prst="rect">
+            <a:avLst/>
+          </a:prstGeom>
+          <a:noFill/>
+        </p:spPr>
+        <p:txBody>
+          <a:bodyPr wrap="square" rtlCol="0">
+            <a:spAutoFit/>
+          </a:bodyPr>
+          <a:lstStyle/>
+          <a:p>
+            <a:pPr algn="just">
+              <a:lnSpc>
+                <a:spcPct val="125000"/>
+              </a:lnSpc>
+            </a:pPr>
+            <a:r>
+              <a:rPr lang="en-US" altLang="zh-CN" dirty="0"/>
+              <a:t>This figure compares the top 10 economies from developing and developed countries. It highlights a slower GDP per capita growth and a less rapid decline in working hours for developing countries.</a:t>
+            </a:r>
+            <a:endParaRPr lang="zh-CN" altLang="en-US" dirty="0"/>
+          </a:p>
+        </p:txBody>
+      </p:sp>
       <p:pic>
         <p:nvPicPr>
-          <p:cNvPr id="6" name="图片 5">
+          <p:cNvPr id="3" name="图片 2">
             <a:extLst>
               <a:ext uri="{FF2B5EF4-FFF2-40B4-BE49-F238E27FC236}">
-                <a16:creationId xmlns:a16="http://schemas.microsoft.com/office/drawing/2014/main" id="{4353FD06-36D1-A447-9FDB-EE9411F4ECCA}"/>
+                <a16:creationId xmlns:a16="http://schemas.microsoft.com/office/drawing/2014/main" id="{FC934A1A-FC41-93F8-52FF-7977EF92E1CF}"/>
               </a:ext>
             </a:extLst>
           </p:cNvPr>
@@ -7778,7 +8170,7 @@
         </p:blipFill>
         <p:spPr>
           <a:xfrm>
-            <a:off x="552000" y="1170000"/>
+            <a:off x="551999" y="1224000"/>
             <a:ext cx="11087999" cy="3960000"/>
           </a:xfrm>
           <a:prstGeom prst="rect">
@@ -7786,47 +8178,6 @@
           </a:prstGeom>
         </p:spPr>
       </p:pic>
-      <p:sp>
-        <p:nvSpPr>
-          <p:cNvPr id="8" name="文本框 7">
-            <a:extLst>
-              <a:ext uri="{FF2B5EF4-FFF2-40B4-BE49-F238E27FC236}">
-                <a16:creationId xmlns:a16="http://schemas.microsoft.com/office/drawing/2014/main" id="{D20738CE-9FBA-7E10-FBCC-0550BB63676C}"/>
-              </a:ext>
-            </a:extLst>
-          </p:cNvPr>
-          <p:cNvSpPr txBox="1"/>
-          <p:nvPr/>
-        </p:nvSpPr>
-        <p:spPr>
-          <a:xfrm>
-            <a:off x="551999" y="5220000"/>
-            <a:ext cx="11087999" cy="1445845"/>
-          </a:xfrm>
-          <a:prstGeom prst="rect">
-            <a:avLst/>
-          </a:prstGeom>
-          <a:noFill/>
-        </p:spPr>
-        <p:txBody>
-          <a:bodyPr wrap="square" rtlCol="0">
-            <a:spAutoFit/>
-          </a:bodyPr>
-          <a:lstStyle/>
-          <a:p>
-            <a:pPr algn="just">
-              <a:lnSpc>
-                <a:spcPct val="125000"/>
-              </a:lnSpc>
-            </a:pPr>
-            <a:r>
-              <a:rPr lang="en-US" altLang="zh-CN" dirty="0"/>
-              <a:t>This subplot shows the comparison among the top 5 economies in both developing and developed countries: workers in developed countries generally work in 1800 or fewer hours annually, aligning with higher GDP per capita. Conversely, workers in developing countries often meet or exceed 2000 hours, and this longer labor does not translate to a proportional increase in GDP per capita..</a:t>
-            </a:r>
-            <a:endParaRPr lang="zh-CN" altLang="en-US" dirty="0"/>
-          </a:p>
-        </p:txBody>
-      </p:sp>
     </p:spTree>
     <p:extLst>
       <p:ext uri="{BB962C8B-B14F-4D97-AF65-F5344CB8AC3E}">
@@ -7862,7 +8213,7 @@
           <p:cNvPr id="4" name="标题 1">
             <a:extLst>
               <a:ext uri="{FF2B5EF4-FFF2-40B4-BE49-F238E27FC236}">
-                <a16:creationId xmlns:a16="http://schemas.microsoft.com/office/drawing/2014/main" id="{21822F60-543D-8A6D-9FDE-E360FE1E0477}"/>
+                <a16:creationId xmlns:a16="http://schemas.microsoft.com/office/drawing/2014/main" id="{7BD41E96-37C7-A1FE-2F0F-B3D791F4CA11}"/>
               </a:ext>
             </a:extLst>
           </p:cNvPr>
@@ -7880,30 +8231,69 @@
           </a:xfrm>
         </p:spPr>
         <p:txBody>
-          <a:bodyPr>
-            <a:normAutofit/>
+          <a:bodyPr/>
+          <a:lstStyle/>
+          <a:p>
+            <a:r>
+              <a:rPr lang="en-US" altLang="zh-CN" b="1" dirty="0"/>
+              <a:t>Comparative Analysis: Country (1950 ~ 2019)</a:t>
+            </a:r>
+            <a:endParaRPr lang="zh-CN" altLang="en-US" b="1" dirty="0"/>
+          </a:p>
+        </p:txBody>
+      </p:sp>
+      <p:sp>
+        <p:nvSpPr>
+          <p:cNvPr id="8" name="文本框 7">
+            <a:extLst>
+              <a:ext uri="{FF2B5EF4-FFF2-40B4-BE49-F238E27FC236}">
+                <a16:creationId xmlns:a16="http://schemas.microsoft.com/office/drawing/2014/main" id="{D20738CE-9FBA-7E10-FBCC-0550BB63676C}"/>
+              </a:ext>
+            </a:extLst>
+          </p:cNvPr>
+          <p:cNvSpPr txBox="1"/>
+          <p:nvPr/>
+        </p:nvSpPr>
+        <p:spPr>
+          <a:xfrm>
+            <a:off x="551998" y="5232155"/>
+            <a:ext cx="11087999" cy="1445845"/>
+          </a:xfrm>
+          <a:prstGeom prst="rect">
+            <a:avLst/>
+          </a:prstGeom>
+          <a:noFill/>
+        </p:spPr>
+        <p:txBody>
+          <a:bodyPr wrap="square" rtlCol="0">
+            <a:spAutoFit/>
           </a:bodyPr>
           <a:lstStyle/>
           <a:p>
-            <a:r>
-              <a:rPr lang="en-US" altLang="zh-CN" b="1" dirty="0"/>
-              <a:t>Comparative Analysis: Region (1950 ~ 2019)</a:t>
-            </a:r>
-            <a:endParaRPr lang="zh-CN" altLang="en-US" b="1" dirty="0"/>
+            <a:pPr algn="just">
+              <a:lnSpc>
+                <a:spcPct val="125000"/>
+              </a:lnSpc>
+            </a:pPr>
+            <a:r>
+              <a:rPr lang="en-US" altLang="zh-CN" dirty="0"/>
+              <a:t>The boxplot compares the distribution of annual working hours and GDP per capita for developing and developed countries in 2019. Workers in developed countries work around 1700 hours or fewer annually with higher GDP per capita. Conversely, workers in developing countries often meet or exceed 1900 hours without a proportional increase in GDP per capita.</a:t>
+            </a:r>
+            <a:endParaRPr lang="zh-CN" altLang="en-US" dirty="0"/>
           </a:p>
         </p:txBody>
       </p:sp>
       <p:pic>
         <p:nvPicPr>
-          <p:cNvPr id="6" name="图片 5">
+          <p:cNvPr id="7" name="图片 6">
             <a:extLst>
               <a:ext uri="{FF2B5EF4-FFF2-40B4-BE49-F238E27FC236}">
-                <a16:creationId xmlns:a16="http://schemas.microsoft.com/office/drawing/2014/main" id="{CD8C2018-4A0E-7A83-4F01-B878432FDC94}"/>
+                <a16:creationId xmlns:a16="http://schemas.microsoft.com/office/drawing/2014/main" id="{05A930CC-377B-5234-2E6A-437076B57165}"/>
               </a:ext>
             </a:extLst>
           </p:cNvPr>
           <p:cNvPicPr>
-            <a:picLocks noChangeAspect="1"/>
+            <a:picLocks/>
           </p:cNvPicPr>
           <p:nvPr/>
         </p:nvPicPr>
@@ -7921,59 +8311,18 @@
         </p:blipFill>
         <p:spPr>
           <a:xfrm>
-            <a:off x="552000" y="1170000"/>
-            <a:ext cx="11087999" cy="3960000"/>
+            <a:off x="1596000" y="1029200"/>
+            <a:ext cx="9000000" cy="4140000"/>
           </a:xfrm>
           <a:prstGeom prst="rect">
             <a:avLst/>
           </a:prstGeom>
         </p:spPr>
       </p:pic>
-      <p:sp>
-        <p:nvSpPr>
-          <p:cNvPr id="7" name="文本框 6">
-            <a:extLst>
-              <a:ext uri="{FF2B5EF4-FFF2-40B4-BE49-F238E27FC236}">
-                <a16:creationId xmlns:a16="http://schemas.microsoft.com/office/drawing/2014/main" id="{283192CA-CE50-E68E-91A2-9A1C4EB9526E}"/>
-              </a:ext>
-            </a:extLst>
-          </p:cNvPr>
-          <p:cNvSpPr txBox="1"/>
-          <p:nvPr/>
-        </p:nvSpPr>
-        <p:spPr>
-          <a:xfrm>
-            <a:off x="552000" y="5220000"/>
-            <a:ext cx="11087999" cy="1099596"/>
-          </a:xfrm>
-          <a:prstGeom prst="rect">
-            <a:avLst/>
-          </a:prstGeom>
-          <a:noFill/>
-        </p:spPr>
-        <p:txBody>
-          <a:bodyPr wrap="square" rtlCol="0">
-            <a:spAutoFit/>
-          </a:bodyPr>
-          <a:lstStyle/>
-          <a:p>
-            <a:pPr algn="just">
-              <a:lnSpc>
-                <a:spcPct val="125000"/>
-              </a:lnSpc>
-            </a:pPr>
-            <a:r>
-              <a:rPr lang="en-US" altLang="zh-CN" dirty="0"/>
-              <a:t>This subplot shows the comparison among the top 5 economies in both Asian and Western countries. Notably, every selected Western country shows under 1800 working hours annually, paired with higher GDP per capita. In contrast, most Asian countries consistently approach or exceed 2000 hours. </a:t>
-            </a:r>
-            <a:endParaRPr lang="zh-CN" altLang="en-US" dirty="0"/>
-          </a:p>
-        </p:txBody>
-      </p:sp>
     </p:spTree>
     <p:extLst>
       <p:ext uri="{BB962C8B-B14F-4D97-AF65-F5344CB8AC3E}">
-        <p14:creationId xmlns:p14="http://schemas.microsoft.com/office/powerpoint/2010/main" val="2822603191"/>
+        <p14:creationId xmlns:p14="http://schemas.microsoft.com/office/powerpoint/2010/main" val="3991623361"/>
       </p:ext>
     </p:extLst>
   </p:cSld>
@@ -8002,10 +8351,10 @@
       </p:grpSpPr>
       <p:sp>
         <p:nvSpPr>
-          <p:cNvPr id="2" name="标题 1">
+          <p:cNvPr id="4" name="标题 1">
             <a:extLst>
               <a:ext uri="{FF2B5EF4-FFF2-40B4-BE49-F238E27FC236}">
-                <a16:creationId xmlns:a16="http://schemas.microsoft.com/office/drawing/2014/main" id="{2D928185-7BA3-DCB5-F87A-BA7348E030C6}"/>
+                <a16:creationId xmlns:a16="http://schemas.microsoft.com/office/drawing/2014/main" id="{21822F60-543D-8A6D-9FDE-E360FE1E0477}"/>
               </a:ext>
             </a:extLst>
           </p:cNvPr>
@@ -8018,7 +8367,7 @@
         </p:nvSpPr>
         <p:spPr>
           <a:xfrm>
-            <a:off x="913795" y="180000"/>
+            <a:off x="696000" y="180000"/>
             <a:ext cx="10800000" cy="900000"/>
           </a:xfrm>
         </p:spPr>
@@ -8030,7 +8379,7 @@
           <a:p>
             <a:r>
               <a:rPr lang="en-US" altLang="zh-CN" b="1" dirty="0"/>
-              <a:t>Key Insights</a:t>
+              <a:t>Comparative Analysis: Region (1950 ~ 2019)</a:t>
             </a:r>
             <a:endParaRPr lang="zh-CN" altLang="en-US" b="1" dirty="0"/>
           </a:p>
@@ -8038,165 +8387,85 @@
       </p:sp>
       <p:sp>
         <p:nvSpPr>
-          <p:cNvPr id="3" name="内容占位符 2">
+          <p:cNvPr id="7" name="文本框 6">
             <a:extLst>
               <a:ext uri="{FF2B5EF4-FFF2-40B4-BE49-F238E27FC236}">
-                <a16:creationId xmlns:a16="http://schemas.microsoft.com/office/drawing/2014/main" id="{E8AB1FF5-F089-2E95-16C3-365B63DA3AB5}"/>
+                <a16:creationId xmlns:a16="http://schemas.microsoft.com/office/drawing/2014/main" id="{283192CA-CE50-E68E-91A2-9A1C4EB9526E}"/>
               </a:ext>
             </a:extLst>
           </p:cNvPr>
-          <p:cNvSpPr>
-            <a:spLocks noGrp="1"/>
-          </p:cNvSpPr>
-          <p:nvPr>
-            <p:ph idx="1"/>
-          </p:nvPr>
-        </p:nvSpPr>
-        <p:spPr>
-          <a:xfrm>
-            <a:off x="913795" y="1080000"/>
-            <a:ext cx="10353762" cy="5512186"/>
-          </a:xfrm>
-        </p:spPr>
-        <p:txBody>
-          <a:bodyPr>
-            <a:normAutofit fontScale="85000" lnSpcReduction="20000"/>
+          <p:cNvSpPr txBox="1"/>
+          <p:nvPr/>
+        </p:nvSpPr>
+        <p:spPr>
+          <a:xfrm>
+            <a:off x="551999" y="5328000"/>
+            <a:ext cx="11087999" cy="1099596"/>
+          </a:xfrm>
+          <a:prstGeom prst="rect">
+            <a:avLst/>
+          </a:prstGeom>
+          <a:noFill/>
+        </p:spPr>
+        <p:txBody>
+          <a:bodyPr wrap="square" rtlCol="0">
+            <a:spAutoFit/>
           </a:bodyPr>
           <a:lstStyle/>
           <a:p>
-            <a:pPr>
+            <a:pPr algn="just">
               <a:lnSpc>
-                <a:spcPct val="135000"/>
+                <a:spcPct val="125000"/>
               </a:lnSpc>
-              <a:buFont typeface="Wingdings" panose="05000000000000000000" pitchFamily="2" charset="2"/>
-              <a:buChar char="l"/>
             </a:pPr>
             <a:r>
-              <a:rPr lang="en-US" altLang="zh-CN" sz="2400" b="1" dirty="0">
-                <a:latin typeface="Times New Roman" panose="02020603050405020304" pitchFamily="18" charset="0"/>
-                <a:cs typeface="Times New Roman" panose="02020603050405020304" pitchFamily="18" charset="0"/>
-              </a:rPr>
-              <a:t>Declining Working Hours:</a:t>
-            </a:r>
-          </a:p>
-          <a:p>
-            <a:pPr marL="36900" indent="0">
-              <a:lnSpc>
-                <a:spcPct val="135000"/>
-              </a:lnSpc>
-              <a:buNone/>
-            </a:pPr>
-            <a:r>
-              <a:rPr lang="en-US" altLang="zh-CN" sz="2400" dirty="0">
-                <a:latin typeface="Times New Roman" panose="02020603050405020304" pitchFamily="18" charset="0"/>
-                <a:cs typeface="Times New Roman" panose="02020603050405020304" pitchFamily="18" charset="0"/>
-              </a:rPr>
-              <a:t>	Most countries show reduced working hours over the years, indicating the improved life 	quality and work efficiency.</a:t>
-            </a:r>
-          </a:p>
-          <a:p>
-            <a:pPr>
-              <a:lnSpc>
-                <a:spcPct val="135000"/>
-              </a:lnSpc>
-              <a:buFont typeface="Wingdings" panose="05000000000000000000" pitchFamily="2" charset="2"/>
-              <a:buChar char="l"/>
-            </a:pPr>
-            <a:r>
-              <a:rPr lang="en-US" altLang="zh-CN" sz="2400" b="1" dirty="0">
-                <a:latin typeface="Times New Roman" panose="02020603050405020304" pitchFamily="18" charset="0"/>
-                <a:cs typeface="Times New Roman" panose="02020603050405020304" pitchFamily="18" charset="0"/>
-              </a:rPr>
-              <a:t>Working Hours vs GDP per capita:</a:t>
-            </a:r>
-          </a:p>
-          <a:p>
-            <a:pPr marL="36900" indent="0">
-              <a:lnSpc>
-                <a:spcPct val="135000"/>
-              </a:lnSpc>
-              <a:buNone/>
-            </a:pPr>
-            <a:r>
-              <a:rPr lang="en-US" altLang="zh-CN" sz="2400" dirty="0">
-                <a:latin typeface="Times New Roman" panose="02020603050405020304" pitchFamily="18" charset="0"/>
-                <a:cs typeface="Times New Roman" panose="02020603050405020304" pitchFamily="18" charset="0"/>
-              </a:rPr>
-              <a:t>	Most countries show a negative correlation between working hours and GDP per capita, with a 	few exceptions.</a:t>
-            </a:r>
-          </a:p>
-          <a:p>
-            <a:pPr>
-              <a:lnSpc>
-                <a:spcPct val="135000"/>
-              </a:lnSpc>
-              <a:buFont typeface="Wingdings" panose="05000000000000000000" pitchFamily="2" charset="2"/>
-              <a:buChar char="l"/>
-            </a:pPr>
-            <a:r>
-              <a:rPr lang="en-US" altLang="zh-CN" sz="2400" b="1" dirty="0">
-                <a:latin typeface="Times New Roman" panose="02020603050405020304" pitchFamily="18" charset="0"/>
-                <a:cs typeface="Times New Roman" panose="02020603050405020304" pitchFamily="18" charset="0"/>
-              </a:rPr>
-              <a:t>Developing vs. Developed Countries:</a:t>
-            </a:r>
-          </a:p>
-          <a:p>
-            <a:pPr marL="36900" indent="0">
-              <a:lnSpc>
-                <a:spcPct val="135000"/>
-              </a:lnSpc>
-              <a:buNone/>
-            </a:pPr>
-            <a:r>
-              <a:rPr lang="en-US" altLang="zh-CN" sz="2400" dirty="0">
-                <a:latin typeface="Times New Roman" panose="02020603050405020304" pitchFamily="18" charset="0"/>
-                <a:cs typeface="Times New Roman" panose="02020603050405020304" pitchFamily="18" charset="0"/>
-              </a:rPr>
-              <a:t>	Developing countries average 2000 or more working hours annually, while developed 	countries are typically under 1800, highlighting economic and structural contrasts.</a:t>
-            </a:r>
-          </a:p>
-          <a:p>
-            <a:pPr>
-              <a:lnSpc>
-                <a:spcPct val="135000"/>
-              </a:lnSpc>
-              <a:buFont typeface="Wingdings" panose="05000000000000000000" pitchFamily="2" charset="2"/>
-              <a:buChar char="l"/>
-            </a:pPr>
-            <a:r>
-              <a:rPr lang="en-US" altLang="zh-CN" sz="2400" b="1" dirty="0">
-                <a:latin typeface="Times New Roman" panose="02020603050405020304" pitchFamily="18" charset="0"/>
-                <a:cs typeface="Times New Roman" panose="02020603050405020304" pitchFamily="18" charset="0"/>
-              </a:rPr>
-              <a:t>Regional Working Hour Differences:</a:t>
-            </a:r>
-          </a:p>
-          <a:p>
-            <a:pPr marL="414000" lvl="1" indent="0">
-              <a:lnSpc>
-                <a:spcPct val="135000"/>
-              </a:lnSpc>
-              <a:buNone/>
-            </a:pPr>
-            <a:r>
-              <a:rPr lang="en-US" altLang="zh-CN" sz="2400" dirty="0">
-                <a:latin typeface="Times New Roman" panose="02020603050405020304" pitchFamily="18" charset="0"/>
-                <a:cs typeface="Times New Roman" panose="02020603050405020304" pitchFamily="18" charset="0"/>
-              </a:rPr>
-              <a:t>Asian countries consistently report longer working hours compared to Western countries, suggesting cultural influences on work ethics.</a:t>
-            </a:r>
-            <a:endParaRPr lang="zh-CN" altLang="en-US" sz="2400" dirty="0">
-              <a:latin typeface="Times New Roman" panose="02020603050405020304" pitchFamily="18" charset="0"/>
-              <a:cs typeface="Times New Roman" panose="02020603050405020304" pitchFamily="18" charset="0"/>
-            </a:endParaRPr>
-          </a:p>
-        </p:txBody>
-      </p:sp>
+              <a:rPr lang="en-US" altLang="zh-CN" dirty="0"/>
+              <a:t>This figure compares the top 10 Asian and Western economies. Western countries typically work under 1800 hours annually with a faster GDP per capita growth, while Asian countries often hover around 2000 hours with a moderate GDP per capita growth.</a:t>
+            </a:r>
+            <a:endParaRPr lang="zh-CN" altLang="en-US" dirty="0"/>
+          </a:p>
+        </p:txBody>
+      </p:sp>
+      <p:pic>
+        <p:nvPicPr>
+          <p:cNvPr id="3" name="图片 2">
+            <a:extLst>
+              <a:ext uri="{FF2B5EF4-FFF2-40B4-BE49-F238E27FC236}">
+                <a16:creationId xmlns:a16="http://schemas.microsoft.com/office/drawing/2014/main" id="{DBD90CD5-6C44-BA28-3E66-9FBC5ED581C2}"/>
+              </a:ext>
+            </a:extLst>
+          </p:cNvPr>
+          <p:cNvPicPr>
+            <a:picLocks noChangeAspect="1"/>
+          </p:cNvPicPr>
+          <p:nvPr/>
+        </p:nvPicPr>
+        <p:blipFill>
+          <a:blip r:embed="rId2">
+            <a:extLst>
+              <a:ext uri="{28A0092B-C50C-407E-A947-70E740481C1C}">
+                <a14:useLocalDpi xmlns:a14="http://schemas.microsoft.com/office/drawing/2010/main" val="0"/>
+              </a:ext>
+            </a:extLst>
+          </a:blip>
+          <a:stretch>
+            <a:fillRect/>
+          </a:stretch>
+        </p:blipFill>
+        <p:spPr>
+          <a:xfrm>
+            <a:off x="552000" y="1224000"/>
+            <a:ext cx="11087999" cy="3960000"/>
+          </a:xfrm>
+          <a:prstGeom prst="rect">
+            <a:avLst/>
+          </a:prstGeom>
+        </p:spPr>
+      </p:pic>
     </p:spTree>
     <p:extLst>
       <p:ext uri="{BB962C8B-B14F-4D97-AF65-F5344CB8AC3E}">
-        <p14:creationId xmlns:p14="http://schemas.microsoft.com/office/powerpoint/2010/main" val="2235888458"/>
+        <p14:creationId xmlns:p14="http://schemas.microsoft.com/office/powerpoint/2010/main" val="2822603191"/>
       </p:ext>
     </p:extLst>
   </p:cSld>
